--- a/paper/ref/Presentation1.pptx
+++ b/paper/ref/Presentation1.pptx
@@ -6808,6 +6808,715 @@
                 <a:solidFill>
                   <a:schemeClr val="tx1"/>
                 </a:solidFill>
+                <a:latin typeface="Century"/>
+                <a:cs typeface="Century"/>
+              </a:endParaRPr>
+            </a:p>
+          </p:txBody>
+        </p:sp>
+      </p:grpSp>
+      <p:grpSp>
+        <p:nvGrpSpPr>
+          <p:cNvPr id="54" name="Group 53"/>
+          <p:cNvGrpSpPr/>
+          <p:nvPr/>
+        </p:nvGrpSpPr>
+        <p:grpSpPr>
+          <a:xfrm>
+            <a:off x="5132171" y="2866022"/>
+            <a:ext cx="3949700" cy="3234155"/>
+            <a:chOff x="2044700" y="1460499"/>
+            <a:chExt cx="3949700" cy="3234155"/>
+          </a:xfrm>
+        </p:grpSpPr>
+        <p:sp>
+          <p:nvSpPr>
+            <p:cNvPr id="70" name="Rectangle 69"/>
+            <p:cNvSpPr/>
+            <p:nvPr/>
+          </p:nvSpPr>
+          <p:spPr>
+            <a:xfrm>
+              <a:off x="2070100" y="2755900"/>
+              <a:ext cx="3924300" cy="1574800"/>
+            </a:xfrm>
+            <a:prstGeom prst="rect">
+              <a:avLst/>
+            </a:prstGeom>
+            <a:solidFill>
+              <a:schemeClr val="bg1">
+                <a:lumMod val="95000"/>
+              </a:schemeClr>
+            </a:solidFill>
+            <a:ln w="3175" cmpd="sng">
+              <a:solidFill>
+                <a:schemeClr val="tx1"/>
+              </a:solidFill>
+            </a:ln>
+          </p:spPr>
+          <p:style>
+            <a:lnRef idx="1">
+              <a:schemeClr val="accent1"/>
+            </a:lnRef>
+            <a:fillRef idx="3">
+              <a:schemeClr val="accent1"/>
+            </a:fillRef>
+            <a:effectRef idx="2">
+              <a:schemeClr val="accent1"/>
+            </a:effectRef>
+            <a:fontRef idx="minor">
+              <a:schemeClr val="lt1"/>
+            </a:fontRef>
+          </p:style>
+          <p:txBody>
+            <a:bodyPr rot="0" spcFirstLastPara="0" vertOverflow="overflow" horzOverflow="overflow" vert="horz" wrap="square" lIns="91440" tIns="45720" rIns="91440" bIns="45720" numCol="1" spcCol="0" rtlCol="0" fromWordArt="0" anchor="ctr" anchorCtr="0" forceAA="0" compatLnSpc="1">
+              <a:prstTxWarp prst="textNoShape">
+                <a:avLst/>
+              </a:prstTxWarp>
+              <a:noAutofit/>
+            </a:bodyPr>
+            <a:lstStyle/>
+            <a:p>
+              <a:pPr algn="ctr"/>
+              <a:endParaRPr lang="en-US" dirty="0" smtClean="0">
+                <a:solidFill>
+                  <a:schemeClr val="tx1"/>
+                </a:solidFill>
+                <a:latin typeface="Century"/>
+                <a:cs typeface="Century"/>
+              </a:endParaRPr>
+            </a:p>
+          </p:txBody>
+        </p:sp>
+        <p:sp>
+          <p:nvSpPr>
+            <p:cNvPr id="71" name="Rectangle 70"/>
+            <p:cNvSpPr/>
+            <p:nvPr/>
+          </p:nvSpPr>
+          <p:spPr>
+            <a:xfrm>
+              <a:off x="2730500" y="2616199"/>
+              <a:ext cx="2540000" cy="344947"/>
+            </a:xfrm>
+            <a:prstGeom prst="rect">
+              <a:avLst/>
+            </a:prstGeom>
+            <a:solidFill>
+              <a:schemeClr val="accent1">
+                <a:lumMod val="60000"/>
+                <a:lumOff val="40000"/>
+              </a:schemeClr>
+            </a:solidFill>
+            <a:ln w="3175" cmpd="sng">
+              <a:solidFill>
+                <a:schemeClr val="tx1"/>
+              </a:solidFill>
+            </a:ln>
+          </p:spPr>
+          <p:style>
+            <a:lnRef idx="1">
+              <a:schemeClr val="accent1"/>
+            </a:lnRef>
+            <a:fillRef idx="3">
+              <a:schemeClr val="accent1"/>
+            </a:fillRef>
+            <a:effectRef idx="2">
+              <a:schemeClr val="accent1"/>
+            </a:effectRef>
+            <a:fontRef idx="minor">
+              <a:schemeClr val="lt1"/>
+            </a:fontRef>
+          </p:style>
+          <p:txBody>
+            <a:bodyPr rtlCol="0" anchor="ctr"/>
+            <a:lstStyle/>
+            <a:p>
+              <a:pPr algn="ctr"/>
+              <a:r>
+                <a:rPr lang="en-US" sz="1600" dirty="0" smtClean="0">
+                  <a:solidFill>
+                    <a:schemeClr val="tx1"/>
+                  </a:solidFill>
+                  <a:latin typeface="Century"/>
+                  <a:cs typeface="Century"/>
+                </a:rPr>
+                <a:t>Burst buffers</a:t>
+              </a:r>
+              <a:endParaRPr lang="en-US" sz="1600" dirty="0">
+                <a:solidFill>
+                  <a:schemeClr val="tx1"/>
+                </a:solidFill>
+                <a:latin typeface="Century"/>
+                <a:cs typeface="Century"/>
+              </a:endParaRPr>
+            </a:p>
+          </p:txBody>
+        </p:sp>
+        <p:sp>
+          <p:nvSpPr>
+            <p:cNvPr id="74" name="Can 73"/>
+            <p:cNvSpPr/>
+            <p:nvPr/>
+          </p:nvSpPr>
+          <p:spPr>
+            <a:xfrm>
+              <a:off x="2597150" y="3416300"/>
+              <a:ext cx="2933700" cy="698500"/>
+            </a:xfrm>
+            <a:prstGeom prst="can">
+              <a:avLst/>
+            </a:prstGeom>
+            <a:solidFill>
+              <a:schemeClr val="accent1">
+                <a:lumMod val="20000"/>
+                <a:lumOff val="80000"/>
+              </a:schemeClr>
+            </a:solidFill>
+            <a:ln w="3175" cmpd="sng">
+              <a:solidFill>
+                <a:schemeClr val="tx1"/>
+              </a:solidFill>
+            </a:ln>
+          </p:spPr>
+          <p:style>
+            <a:lnRef idx="1">
+              <a:schemeClr val="accent1"/>
+            </a:lnRef>
+            <a:fillRef idx="3">
+              <a:schemeClr val="accent1"/>
+            </a:fillRef>
+            <a:effectRef idx="2">
+              <a:schemeClr val="accent1"/>
+            </a:effectRef>
+            <a:fontRef idx="minor">
+              <a:schemeClr val="lt1"/>
+            </a:fontRef>
+          </p:style>
+          <p:txBody>
+            <a:bodyPr rot="0" spcFirstLastPara="0" vertOverflow="overflow" horzOverflow="overflow" vert="horz" wrap="square" lIns="91440" tIns="45720" rIns="91440" bIns="45720" numCol="1" spcCol="0" rtlCol="0" fromWordArt="0" anchor="ctr" anchorCtr="0" forceAA="0" compatLnSpc="1">
+              <a:prstTxWarp prst="textNoShape">
+                <a:avLst/>
+              </a:prstTxWarp>
+              <a:noAutofit/>
+            </a:bodyPr>
+            <a:lstStyle/>
+            <a:p>
+              <a:pPr algn="ctr"/>
+              <a:r>
+                <a:rPr lang="en-US" dirty="0" smtClean="0">
+                  <a:solidFill>
+                    <a:schemeClr val="tx1"/>
+                  </a:solidFill>
+                  <a:latin typeface="Century"/>
+                  <a:cs typeface="Century"/>
+                </a:rPr>
+                <a:t>Shared cloud storage</a:t>
+              </a:r>
+            </a:p>
+          </p:txBody>
+        </p:sp>
+        <p:sp>
+          <p:nvSpPr>
+            <p:cNvPr id="75" name="Rectangle 74"/>
+            <p:cNvSpPr/>
+            <p:nvPr/>
+          </p:nvSpPr>
+          <p:spPr>
+            <a:xfrm>
+              <a:off x="2044700" y="1460499"/>
+              <a:ext cx="876300" cy="444501"/>
+            </a:xfrm>
+            <a:prstGeom prst="rect">
+              <a:avLst/>
+            </a:prstGeom>
+            <a:solidFill>
+              <a:schemeClr val="accent6">
+                <a:lumMod val="20000"/>
+                <a:lumOff val="80000"/>
+              </a:schemeClr>
+            </a:solidFill>
+            <a:ln w="3175" cmpd="sng">
+              <a:solidFill>
+                <a:schemeClr val="tx1"/>
+              </a:solidFill>
+            </a:ln>
+          </p:spPr>
+          <p:style>
+            <a:lnRef idx="1">
+              <a:schemeClr val="accent1"/>
+            </a:lnRef>
+            <a:fillRef idx="3">
+              <a:schemeClr val="accent1"/>
+            </a:fillRef>
+            <a:effectRef idx="2">
+              <a:schemeClr val="accent1"/>
+            </a:effectRef>
+            <a:fontRef idx="minor">
+              <a:schemeClr val="lt1"/>
+            </a:fontRef>
+          </p:style>
+          <p:txBody>
+            <a:bodyPr rtlCol="0" anchor="ctr"/>
+            <a:lstStyle/>
+            <a:p>
+              <a:pPr algn="ctr"/>
+              <a:r>
+                <a:rPr lang="en-US" sz="1200" dirty="0" smtClean="0">
+                  <a:solidFill>
+                    <a:schemeClr val="tx1"/>
+                  </a:solidFill>
+                  <a:latin typeface="Century"/>
+                  <a:cs typeface="Century"/>
+                </a:rPr>
+                <a:t>Compute </a:t>
+              </a:r>
+              <a:br>
+                <a:rPr lang="en-US" sz="1200" dirty="0" smtClean="0">
+                  <a:solidFill>
+                    <a:schemeClr val="tx1"/>
+                  </a:solidFill>
+                  <a:latin typeface="Century"/>
+                  <a:cs typeface="Century"/>
+                </a:rPr>
+              </a:br>
+              <a:r>
+                <a:rPr lang="en-US" sz="1200" dirty="0" smtClean="0">
+                  <a:solidFill>
+                    <a:schemeClr val="tx1"/>
+                  </a:solidFill>
+                  <a:latin typeface="Century"/>
+                  <a:cs typeface="Century"/>
+                </a:rPr>
+                <a:t>node 0</a:t>
+              </a:r>
+              <a:endParaRPr lang="en-US" sz="1200" dirty="0">
+                <a:solidFill>
+                  <a:schemeClr val="tx1"/>
+                </a:solidFill>
+                <a:latin typeface="Century"/>
+                <a:cs typeface="Century"/>
+              </a:endParaRPr>
+            </a:p>
+          </p:txBody>
+        </p:sp>
+        <p:sp>
+          <p:nvSpPr>
+            <p:cNvPr id="76" name="Rectangle 75"/>
+            <p:cNvSpPr/>
+            <p:nvPr/>
+          </p:nvSpPr>
+          <p:spPr>
+            <a:xfrm>
+              <a:off x="3073400" y="1460499"/>
+              <a:ext cx="876300" cy="444501"/>
+            </a:xfrm>
+            <a:prstGeom prst="rect">
+              <a:avLst/>
+            </a:prstGeom>
+            <a:solidFill>
+              <a:schemeClr val="accent6">
+                <a:lumMod val="20000"/>
+                <a:lumOff val="80000"/>
+              </a:schemeClr>
+            </a:solidFill>
+            <a:ln w="3175" cmpd="sng">
+              <a:solidFill>
+                <a:schemeClr val="tx1"/>
+              </a:solidFill>
+            </a:ln>
+          </p:spPr>
+          <p:style>
+            <a:lnRef idx="1">
+              <a:schemeClr val="accent1"/>
+            </a:lnRef>
+            <a:fillRef idx="3">
+              <a:schemeClr val="accent1"/>
+            </a:fillRef>
+            <a:effectRef idx="2">
+              <a:schemeClr val="accent1"/>
+            </a:effectRef>
+            <a:fontRef idx="minor">
+              <a:schemeClr val="lt1"/>
+            </a:fontRef>
+          </p:style>
+          <p:txBody>
+            <a:bodyPr rtlCol="0" anchor="ctr"/>
+            <a:lstStyle/>
+            <a:p>
+              <a:pPr algn="ctr"/>
+              <a:r>
+                <a:rPr lang="en-US" sz="1200" dirty="0" smtClean="0">
+                  <a:solidFill>
+                    <a:schemeClr val="tx1"/>
+                  </a:solidFill>
+                  <a:latin typeface="Century"/>
+                  <a:cs typeface="Century"/>
+                </a:rPr>
+                <a:t>Compute </a:t>
+              </a:r>
+              <a:br>
+                <a:rPr lang="en-US" sz="1200" dirty="0" smtClean="0">
+                  <a:solidFill>
+                    <a:schemeClr val="tx1"/>
+                  </a:solidFill>
+                  <a:latin typeface="Century"/>
+                  <a:cs typeface="Century"/>
+                </a:rPr>
+              </a:br>
+              <a:r>
+                <a:rPr lang="en-US" sz="1200" dirty="0" smtClean="0">
+                  <a:solidFill>
+                    <a:schemeClr val="tx1"/>
+                  </a:solidFill>
+                  <a:latin typeface="Century"/>
+                  <a:cs typeface="Century"/>
+                </a:rPr>
+                <a:t>node 1</a:t>
+              </a:r>
+              <a:endParaRPr lang="en-US" sz="1200" dirty="0">
+                <a:solidFill>
+                  <a:schemeClr val="tx1"/>
+                </a:solidFill>
+                <a:latin typeface="Century"/>
+                <a:cs typeface="Century"/>
+              </a:endParaRPr>
+            </a:p>
+          </p:txBody>
+        </p:sp>
+        <p:sp>
+          <p:nvSpPr>
+            <p:cNvPr id="77" name="Rectangle 76"/>
+            <p:cNvSpPr/>
+            <p:nvPr/>
+          </p:nvSpPr>
+          <p:spPr>
+            <a:xfrm>
+              <a:off x="5041900" y="1460499"/>
+              <a:ext cx="876300" cy="444501"/>
+            </a:xfrm>
+            <a:prstGeom prst="rect">
+              <a:avLst/>
+            </a:prstGeom>
+            <a:solidFill>
+              <a:schemeClr val="accent6">
+                <a:lumMod val="20000"/>
+                <a:lumOff val="80000"/>
+              </a:schemeClr>
+            </a:solidFill>
+            <a:ln w="3175" cmpd="sng">
+              <a:solidFill>
+                <a:schemeClr val="tx1"/>
+              </a:solidFill>
+            </a:ln>
+          </p:spPr>
+          <p:style>
+            <a:lnRef idx="1">
+              <a:schemeClr val="accent1"/>
+            </a:lnRef>
+            <a:fillRef idx="3">
+              <a:schemeClr val="accent1"/>
+            </a:fillRef>
+            <a:effectRef idx="2">
+              <a:schemeClr val="accent1"/>
+            </a:effectRef>
+            <a:fontRef idx="minor">
+              <a:schemeClr val="lt1"/>
+            </a:fontRef>
+          </p:style>
+          <p:txBody>
+            <a:bodyPr rtlCol="0" anchor="ctr"/>
+            <a:lstStyle/>
+            <a:p>
+              <a:pPr algn="ctr"/>
+              <a:r>
+                <a:rPr lang="en-US" sz="1200" dirty="0" smtClean="0">
+                  <a:solidFill>
+                    <a:schemeClr val="tx1"/>
+                  </a:solidFill>
+                  <a:latin typeface="Century"/>
+                  <a:cs typeface="Century"/>
+                </a:rPr>
+                <a:t>Compute </a:t>
+              </a:r>
+              <a:br>
+                <a:rPr lang="en-US" sz="1200" dirty="0" smtClean="0">
+                  <a:solidFill>
+                    <a:schemeClr val="tx1"/>
+                  </a:solidFill>
+                  <a:latin typeface="Century"/>
+                  <a:cs typeface="Century"/>
+                </a:rPr>
+              </a:br>
+              <a:r>
+                <a:rPr lang="en-US" sz="1200" dirty="0" smtClean="0">
+                  <a:solidFill>
+                    <a:schemeClr val="tx1"/>
+                  </a:solidFill>
+                  <a:latin typeface="Century"/>
+                  <a:cs typeface="Century"/>
+                </a:rPr>
+                <a:t>node n-1</a:t>
+              </a:r>
+              <a:endParaRPr lang="en-US" sz="1200" dirty="0">
+                <a:solidFill>
+                  <a:schemeClr val="tx1"/>
+                </a:solidFill>
+                <a:latin typeface="Century"/>
+                <a:cs typeface="Century"/>
+              </a:endParaRPr>
+            </a:p>
+          </p:txBody>
+        </p:sp>
+        <p:cxnSp>
+          <p:nvCxnSpPr>
+            <p:cNvPr id="78" name="Straight Connector 77"/>
+            <p:cNvCxnSpPr/>
+            <p:nvPr/>
+          </p:nvCxnSpPr>
+          <p:spPr>
+            <a:xfrm>
+              <a:off x="4064000" y="1676400"/>
+              <a:ext cx="863600" cy="0"/>
+            </a:xfrm>
+            <a:prstGeom prst="line">
+              <a:avLst/>
+            </a:prstGeom>
+            <a:ln>
+              <a:solidFill>
+                <a:srgbClr val="000000"/>
+              </a:solidFill>
+              <a:prstDash val="sysDash"/>
+            </a:ln>
+          </p:spPr>
+          <p:style>
+            <a:lnRef idx="2">
+              <a:schemeClr val="accent1"/>
+            </a:lnRef>
+            <a:fillRef idx="0">
+              <a:schemeClr val="accent1"/>
+            </a:fillRef>
+            <a:effectRef idx="1">
+              <a:schemeClr val="accent1"/>
+            </a:effectRef>
+            <a:fontRef idx="minor">
+              <a:schemeClr val="tx1"/>
+            </a:fontRef>
+          </p:style>
+        </p:cxnSp>
+        <p:cxnSp>
+          <p:nvCxnSpPr>
+            <p:cNvPr id="79" name="Straight Arrow Connector 78"/>
+            <p:cNvCxnSpPr>
+              <a:stCxn id="75" idx="2"/>
+              <a:endCxn id="71" idx="0"/>
+            </p:cNvCxnSpPr>
+            <p:nvPr/>
+          </p:nvCxnSpPr>
+          <p:spPr>
+            <a:xfrm>
+              <a:off x="2482850" y="1905000"/>
+              <a:ext cx="1517650" cy="711199"/>
+            </a:xfrm>
+            <a:prstGeom prst="straightConnector1">
+              <a:avLst/>
+            </a:prstGeom>
+            <a:ln>
+              <a:solidFill>
+                <a:schemeClr val="tx1">
+                  <a:lumMod val="50000"/>
+                  <a:lumOff val="50000"/>
+                </a:schemeClr>
+              </a:solidFill>
+              <a:tailEnd type="arrow"/>
+            </a:ln>
+          </p:spPr>
+          <p:style>
+            <a:lnRef idx="2">
+              <a:schemeClr val="accent1"/>
+            </a:lnRef>
+            <a:fillRef idx="0">
+              <a:schemeClr val="accent1"/>
+            </a:fillRef>
+            <a:effectRef idx="1">
+              <a:schemeClr val="accent1"/>
+            </a:effectRef>
+            <a:fontRef idx="minor">
+              <a:schemeClr val="tx1"/>
+            </a:fontRef>
+          </p:style>
+        </p:cxnSp>
+        <p:cxnSp>
+          <p:nvCxnSpPr>
+            <p:cNvPr id="80" name="Straight Arrow Connector 79"/>
+            <p:cNvCxnSpPr>
+              <a:stCxn id="76" idx="2"/>
+              <a:endCxn id="71" idx="0"/>
+            </p:cNvCxnSpPr>
+            <p:nvPr/>
+          </p:nvCxnSpPr>
+          <p:spPr>
+            <a:xfrm>
+              <a:off x="3511550" y="1905000"/>
+              <a:ext cx="488950" cy="711199"/>
+            </a:xfrm>
+            <a:prstGeom prst="straightConnector1">
+              <a:avLst/>
+            </a:prstGeom>
+            <a:ln>
+              <a:solidFill>
+                <a:srgbClr val="7F7F7F"/>
+              </a:solidFill>
+              <a:tailEnd type="arrow"/>
+            </a:ln>
+          </p:spPr>
+          <p:style>
+            <a:lnRef idx="2">
+              <a:schemeClr val="accent1"/>
+            </a:lnRef>
+            <a:fillRef idx="0">
+              <a:schemeClr val="accent1"/>
+            </a:fillRef>
+            <a:effectRef idx="1">
+              <a:schemeClr val="accent1"/>
+            </a:effectRef>
+            <a:fontRef idx="minor">
+              <a:schemeClr val="tx1"/>
+            </a:fontRef>
+          </p:style>
+        </p:cxnSp>
+        <p:cxnSp>
+          <p:nvCxnSpPr>
+            <p:cNvPr id="81" name="Straight Arrow Connector 80"/>
+            <p:cNvCxnSpPr>
+              <a:stCxn id="77" idx="2"/>
+              <a:endCxn id="71" idx="0"/>
+            </p:cNvCxnSpPr>
+            <p:nvPr/>
+          </p:nvCxnSpPr>
+          <p:spPr>
+            <a:xfrm flipH="1">
+              <a:off x="4000500" y="1905000"/>
+              <a:ext cx="1479550" cy="711199"/>
+            </a:xfrm>
+            <a:prstGeom prst="straightConnector1">
+              <a:avLst/>
+            </a:prstGeom>
+            <a:ln>
+              <a:solidFill>
+                <a:srgbClr val="7F7F7F"/>
+              </a:solidFill>
+              <a:tailEnd type="arrow"/>
+            </a:ln>
+          </p:spPr>
+          <p:style>
+            <a:lnRef idx="2">
+              <a:schemeClr val="accent1"/>
+            </a:lnRef>
+            <a:fillRef idx="0">
+              <a:schemeClr val="accent1"/>
+            </a:fillRef>
+            <a:effectRef idx="1">
+              <a:schemeClr val="accent1"/>
+            </a:effectRef>
+            <a:fontRef idx="minor">
+              <a:schemeClr val="tx1"/>
+            </a:fontRef>
+          </p:style>
+        </p:cxnSp>
+        <p:sp>
+          <p:nvSpPr>
+            <p:cNvPr id="82" name="Up-Down Arrow 81"/>
+            <p:cNvSpPr/>
+            <p:nvPr/>
+          </p:nvSpPr>
+          <p:spPr>
+            <a:xfrm>
+              <a:off x="3486150" y="2986585"/>
+              <a:ext cx="1111250" cy="529231"/>
+            </a:xfrm>
+            <a:prstGeom prst="upDownArrow">
+              <a:avLst>
+                <a:gd name="adj1" fmla="val 50000"/>
+                <a:gd name="adj2" fmla="val 30051"/>
+              </a:avLst>
+            </a:prstGeom>
+            <a:solidFill>
+              <a:schemeClr val="tx1">
+                <a:lumMod val="50000"/>
+                <a:lumOff val="50000"/>
+              </a:schemeClr>
+            </a:solidFill>
+            <a:ln>
+              <a:solidFill>
+                <a:schemeClr val="tx1"/>
+              </a:solidFill>
+            </a:ln>
+          </p:spPr>
+          <p:style>
+            <a:lnRef idx="1">
+              <a:schemeClr val="accent1"/>
+            </a:lnRef>
+            <a:fillRef idx="3">
+              <a:schemeClr val="accent1"/>
+            </a:fillRef>
+            <a:effectRef idx="2">
+              <a:schemeClr val="accent1"/>
+            </a:effectRef>
+            <a:fontRef idx="minor">
+              <a:schemeClr val="lt1"/>
+            </a:fontRef>
+          </p:style>
+          <p:txBody>
+            <a:bodyPr rot="0" spcFirstLastPara="0" vertOverflow="overflow" horzOverflow="overflow" vert="horz" wrap="square" lIns="91440" tIns="45720" rIns="91440" bIns="45720" numCol="1" spcCol="0" rtlCol="0" fromWordArt="0" anchor="ctr" anchorCtr="0" forceAA="0" compatLnSpc="1">
+              <a:prstTxWarp prst="textNoShape">
+                <a:avLst/>
+              </a:prstTxWarp>
+              <a:noAutofit/>
+            </a:bodyPr>
+            <a:lstStyle/>
+            <a:p>
+              <a:pPr algn="ctr"/>
+              <a:endParaRPr lang="en-US" dirty="0" smtClean="0">
+                <a:solidFill>
+                  <a:schemeClr val="tx1"/>
+                </a:solidFill>
+                <a:latin typeface="Century"/>
+                <a:cs typeface="Century"/>
+              </a:endParaRPr>
+            </a:p>
+          </p:txBody>
+        </p:sp>
+        <p:sp>
+          <p:nvSpPr>
+            <p:cNvPr id="83" name="TextBox 82"/>
+            <p:cNvSpPr txBox="1"/>
+            <p:nvPr/>
+          </p:nvSpPr>
+          <p:spPr>
+            <a:xfrm>
+              <a:off x="2197100" y="4356100"/>
+              <a:ext cx="3721100" cy="338554"/>
+            </a:xfrm>
+            <a:prstGeom prst="rect">
+              <a:avLst/>
+            </a:prstGeom>
+            <a:noFill/>
+          </p:spPr>
+          <p:txBody>
+            <a:bodyPr wrap="square" rtlCol="0">
+              <a:spAutoFit/>
+            </a:bodyPr>
+            <a:lstStyle/>
+            <a:p>
+              <a:r>
+                <a:rPr lang="en-US" sz="1600" dirty="0" smtClean="0">
+                  <a:latin typeface="Century"/>
+                  <a:cs typeface="Century"/>
+                </a:rPr>
+                <a:t>The cloud-based burst buffer system</a:t>
+              </a:r>
+              <a:endParaRPr lang="en-US" sz="1600" dirty="0">
                 <a:latin typeface="Century"/>
                 <a:cs typeface="Century"/>
               </a:endParaRPr>
@@ -10225,715 +10934,6 @@
           <a:chExt cx="0" cy="0"/>
         </a:xfrm>
       </p:grpSpPr>
-      <p:grpSp>
-        <p:nvGrpSpPr>
-          <p:cNvPr id="24" name="Group 23"/>
-          <p:cNvGrpSpPr/>
-          <p:nvPr/>
-        </p:nvGrpSpPr>
-        <p:grpSpPr>
-          <a:xfrm>
-            <a:off x="2044700" y="1460499"/>
-            <a:ext cx="3949700" cy="3234155"/>
-            <a:chOff x="2044700" y="1460499"/>
-            <a:chExt cx="3949700" cy="3234155"/>
-          </a:xfrm>
-        </p:grpSpPr>
-        <p:sp>
-          <p:nvSpPr>
-            <p:cNvPr id="3" name="Rectangle 2"/>
-            <p:cNvSpPr/>
-            <p:nvPr/>
-          </p:nvSpPr>
-          <p:spPr>
-            <a:xfrm>
-              <a:off x="2070100" y="2755900"/>
-              <a:ext cx="3924300" cy="1574800"/>
-            </a:xfrm>
-            <a:prstGeom prst="rect">
-              <a:avLst/>
-            </a:prstGeom>
-            <a:solidFill>
-              <a:schemeClr val="bg1">
-                <a:lumMod val="95000"/>
-              </a:schemeClr>
-            </a:solidFill>
-            <a:ln w="3175" cmpd="sng">
-              <a:solidFill>
-                <a:schemeClr val="tx1"/>
-              </a:solidFill>
-            </a:ln>
-          </p:spPr>
-          <p:style>
-            <a:lnRef idx="1">
-              <a:schemeClr val="accent1"/>
-            </a:lnRef>
-            <a:fillRef idx="3">
-              <a:schemeClr val="accent1"/>
-            </a:fillRef>
-            <a:effectRef idx="2">
-              <a:schemeClr val="accent1"/>
-            </a:effectRef>
-            <a:fontRef idx="minor">
-              <a:schemeClr val="lt1"/>
-            </a:fontRef>
-          </p:style>
-          <p:txBody>
-            <a:bodyPr rot="0" spcFirstLastPara="0" vertOverflow="overflow" horzOverflow="overflow" vert="horz" wrap="square" lIns="91440" tIns="45720" rIns="91440" bIns="45720" numCol="1" spcCol="0" rtlCol="0" fromWordArt="0" anchor="ctr" anchorCtr="0" forceAA="0" compatLnSpc="1">
-              <a:prstTxWarp prst="textNoShape">
-                <a:avLst/>
-              </a:prstTxWarp>
-              <a:noAutofit/>
-            </a:bodyPr>
-            <a:lstStyle/>
-            <a:p>
-              <a:pPr algn="ctr"/>
-              <a:endParaRPr lang="en-US" dirty="0" smtClean="0">
-                <a:solidFill>
-                  <a:schemeClr val="tx1"/>
-                </a:solidFill>
-                <a:latin typeface="Century"/>
-                <a:cs typeface="Century"/>
-              </a:endParaRPr>
-            </a:p>
-          </p:txBody>
-        </p:sp>
-        <p:sp>
-          <p:nvSpPr>
-            <p:cNvPr id="7" name="Rectangle 6"/>
-            <p:cNvSpPr/>
-            <p:nvPr/>
-          </p:nvSpPr>
-          <p:spPr>
-            <a:xfrm>
-              <a:off x="2730500" y="2616199"/>
-              <a:ext cx="2540000" cy="344947"/>
-            </a:xfrm>
-            <a:prstGeom prst="rect">
-              <a:avLst/>
-            </a:prstGeom>
-            <a:solidFill>
-              <a:schemeClr val="accent1">
-                <a:lumMod val="60000"/>
-                <a:lumOff val="40000"/>
-              </a:schemeClr>
-            </a:solidFill>
-            <a:ln w="3175" cmpd="sng">
-              <a:solidFill>
-                <a:schemeClr val="tx1"/>
-              </a:solidFill>
-            </a:ln>
-          </p:spPr>
-          <p:style>
-            <a:lnRef idx="1">
-              <a:schemeClr val="accent1"/>
-            </a:lnRef>
-            <a:fillRef idx="3">
-              <a:schemeClr val="accent1"/>
-            </a:fillRef>
-            <a:effectRef idx="2">
-              <a:schemeClr val="accent1"/>
-            </a:effectRef>
-            <a:fontRef idx="minor">
-              <a:schemeClr val="lt1"/>
-            </a:fontRef>
-          </p:style>
-          <p:txBody>
-            <a:bodyPr rtlCol="0" anchor="ctr"/>
-            <a:lstStyle/>
-            <a:p>
-              <a:pPr algn="ctr"/>
-              <a:r>
-                <a:rPr lang="en-US" sz="1600" dirty="0" smtClean="0">
-                  <a:solidFill>
-                    <a:schemeClr val="tx1"/>
-                  </a:solidFill>
-                  <a:latin typeface="Century"/>
-                  <a:cs typeface="Century"/>
-                </a:rPr>
-                <a:t>Burst buffers</a:t>
-              </a:r>
-              <a:endParaRPr lang="en-US" sz="1600" dirty="0">
-                <a:solidFill>
-                  <a:schemeClr val="tx1"/>
-                </a:solidFill>
-                <a:latin typeface="Century"/>
-                <a:cs typeface="Century"/>
-              </a:endParaRPr>
-            </a:p>
-          </p:txBody>
-        </p:sp>
-        <p:sp>
-          <p:nvSpPr>
-            <p:cNvPr id="2" name="Can 1"/>
-            <p:cNvSpPr/>
-            <p:nvPr/>
-          </p:nvSpPr>
-          <p:spPr>
-            <a:xfrm>
-              <a:off x="2597150" y="3416300"/>
-              <a:ext cx="2933700" cy="698500"/>
-            </a:xfrm>
-            <a:prstGeom prst="can">
-              <a:avLst/>
-            </a:prstGeom>
-            <a:solidFill>
-              <a:schemeClr val="accent1">
-                <a:lumMod val="20000"/>
-                <a:lumOff val="80000"/>
-              </a:schemeClr>
-            </a:solidFill>
-            <a:ln w="3175" cmpd="sng">
-              <a:solidFill>
-                <a:schemeClr val="tx1"/>
-              </a:solidFill>
-            </a:ln>
-          </p:spPr>
-          <p:style>
-            <a:lnRef idx="1">
-              <a:schemeClr val="accent1"/>
-            </a:lnRef>
-            <a:fillRef idx="3">
-              <a:schemeClr val="accent1"/>
-            </a:fillRef>
-            <a:effectRef idx="2">
-              <a:schemeClr val="accent1"/>
-            </a:effectRef>
-            <a:fontRef idx="minor">
-              <a:schemeClr val="lt1"/>
-            </a:fontRef>
-          </p:style>
-          <p:txBody>
-            <a:bodyPr rot="0" spcFirstLastPara="0" vertOverflow="overflow" horzOverflow="overflow" vert="horz" wrap="square" lIns="91440" tIns="45720" rIns="91440" bIns="45720" numCol="1" spcCol="0" rtlCol="0" fromWordArt="0" anchor="ctr" anchorCtr="0" forceAA="0" compatLnSpc="1">
-              <a:prstTxWarp prst="textNoShape">
-                <a:avLst/>
-              </a:prstTxWarp>
-              <a:noAutofit/>
-            </a:bodyPr>
-            <a:lstStyle/>
-            <a:p>
-              <a:pPr algn="ctr"/>
-              <a:r>
-                <a:rPr lang="en-US" dirty="0" smtClean="0">
-                  <a:solidFill>
-                    <a:schemeClr val="tx1"/>
-                  </a:solidFill>
-                  <a:latin typeface="Century"/>
-                  <a:cs typeface="Century"/>
-                </a:rPr>
-                <a:t>Shared cloud storage</a:t>
-              </a:r>
-            </a:p>
-          </p:txBody>
-        </p:sp>
-        <p:sp>
-          <p:nvSpPr>
-            <p:cNvPr id="9" name="Rectangle 8"/>
-            <p:cNvSpPr/>
-            <p:nvPr/>
-          </p:nvSpPr>
-          <p:spPr>
-            <a:xfrm>
-              <a:off x="2044700" y="1460499"/>
-              <a:ext cx="876300" cy="444501"/>
-            </a:xfrm>
-            <a:prstGeom prst="rect">
-              <a:avLst/>
-            </a:prstGeom>
-            <a:solidFill>
-              <a:schemeClr val="accent6">
-                <a:lumMod val="20000"/>
-                <a:lumOff val="80000"/>
-              </a:schemeClr>
-            </a:solidFill>
-            <a:ln w="3175" cmpd="sng">
-              <a:solidFill>
-                <a:schemeClr val="tx1"/>
-              </a:solidFill>
-            </a:ln>
-          </p:spPr>
-          <p:style>
-            <a:lnRef idx="1">
-              <a:schemeClr val="accent1"/>
-            </a:lnRef>
-            <a:fillRef idx="3">
-              <a:schemeClr val="accent1"/>
-            </a:fillRef>
-            <a:effectRef idx="2">
-              <a:schemeClr val="accent1"/>
-            </a:effectRef>
-            <a:fontRef idx="minor">
-              <a:schemeClr val="lt1"/>
-            </a:fontRef>
-          </p:style>
-          <p:txBody>
-            <a:bodyPr rtlCol="0" anchor="ctr"/>
-            <a:lstStyle/>
-            <a:p>
-              <a:pPr algn="ctr"/>
-              <a:r>
-                <a:rPr lang="en-US" sz="1200" dirty="0" smtClean="0">
-                  <a:solidFill>
-                    <a:schemeClr val="tx1"/>
-                  </a:solidFill>
-                  <a:latin typeface="Century"/>
-                  <a:cs typeface="Century"/>
-                </a:rPr>
-                <a:t>Compute </a:t>
-              </a:r>
-              <a:br>
-                <a:rPr lang="en-US" sz="1200" dirty="0" smtClean="0">
-                  <a:solidFill>
-                    <a:schemeClr val="tx1"/>
-                  </a:solidFill>
-                  <a:latin typeface="Century"/>
-                  <a:cs typeface="Century"/>
-                </a:rPr>
-              </a:br>
-              <a:r>
-                <a:rPr lang="en-US" sz="1200" dirty="0" smtClean="0">
-                  <a:solidFill>
-                    <a:schemeClr val="tx1"/>
-                  </a:solidFill>
-                  <a:latin typeface="Century"/>
-                  <a:cs typeface="Century"/>
-                </a:rPr>
-                <a:t>node 0</a:t>
-              </a:r>
-              <a:endParaRPr lang="en-US" sz="1200" dirty="0">
-                <a:solidFill>
-                  <a:schemeClr val="tx1"/>
-                </a:solidFill>
-                <a:latin typeface="Century"/>
-                <a:cs typeface="Century"/>
-              </a:endParaRPr>
-            </a:p>
-          </p:txBody>
-        </p:sp>
-        <p:sp>
-          <p:nvSpPr>
-            <p:cNvPr id="10" name="Rectangle 9"/>
-            <p:cNvSpPr/>
-            <p:nvPr/>
-          </p:nvSpPr>
-          <p:spPr>
-            <a:xfrm>
-              <a:off x="3073400" y="1460499"/>
-              <a:ext cx="876300" cy="444501"/>
-            </a:xfrm>
-            <a:prstGeom prst="rect">
-              <a:avLst/>
-            </a:prstGeom>
-            <a:solidFill>
-              <a:schemeClr val="accent6">
-                <a:lumMod val="20000"/>
-                <a:lumOff val="80000"/>
-              </a:schemeClr>
-            </a:solidFill>
-            <a:ln w="3175" cmpd="sng">
-              <a:solidFill>
-                <a:schemeClr val="tx1"/>
-              </a:solidFill>
-            </a:ln>
-          </p:spPr>
-          <p:style>
-            <a:lnRef idx="1">
-              <a:schemeClr val="accent1"/>
-            </a:lnRef>
-            <a:fillRef idx="3">
-              <a:schemeClr val="accent1"/>
-            </a:fillRef>
-            <a:effectRef idx="2">
-              <a:schemeClr val="accent1"/>
-            </a:effectRef>
-            <a:fontRef idx="minor">
-              <a:schemeClr val="lt1"/>
-            </a:fontRef>
-          </p:style>
-          <p:txBody>
-            <a:bodyPr rtlCol="0" anchor="ctr"/>
-            <a:lstStyle/>
-            <a:p>
-              <a:pPr algn="ctr"/>
-              <a:r>
-                <a:rPr lang="en-US" sz="1200" dirty="0" smtClean="0">
-                  <a:solidFill>
-                    <a:schemeClr val="tx1"/>
-                  </a:solidFill>
-                  <a:latin typeface="Century"/>
-                  <a:cs typeface="Century"/>
-                </a:rPr>
-                <a:t>Compute </a:t>
-              </a:r>
-              <a:br>
-                <a:rPr lang="en-US" sz="1200" dirty="0" smtClean="0">
-                  <a:solidFill>
-                    <a:schemeClr val="tx1"/>
-                  </a:solidFill>
-                  <a:latin typeface="Century"/>
-                  <a:cs typeface="Century"/>
-                </a:rPr>
-              </a:br>
-              <a:r>
-                <a:rPr lang="en-US" sz="1200" dirty="0" smtClean="0">
-                  <a:solidFill>
-                    <a:schemeClr val="tx1"/>
-                  </a:solidFill>
-                  <a:latin typeface="Century"/>
-                  <a:cs typeface="Century"/>
-                </a:rPr>
-                <a:t>node 1</a:t>
-              </a:r>
-              <a:endParaRPr lang="en-US" sz="1200" dirty="0">
-                <a:solidFill>
-                  <a:schemeClr val="tx1"/>
-                </a:solidFill>
-                <a:latin typeface="Century"/>
-                <a:cs typeface="Century"/>
-              </a:endParaRPr>
-            </a:p>
-          </p:txBody>
-        </p:sp>
-        <p:sp>
-          <p:nvSpPr>
-            <p:cNvPr id="11" name="Rectangle 10"/>
-            <p:cNvSpPr/>
-            <p:nvPr/>
-          </p:nvSpPr>
-          <p:spPr>
-            <a:xfrm>
-              <a:off x="5041900" y="1460499"/>
-              <a:ext cx="876300" cy="444501"/>
-            </a:xfrm>
-            <a:prstGeom prst="rect">
-              <a:avLst/>
-            </a:prstGeom>
-            <a:solidFill>
-              <a:schemeClr val="accent6">
-                <a:lumMod val="20000"/>
-                <a:lumOff val="80000"/>
-              </a:schemeClr>
-            </a:solidFill>
-            <a:ln w="3175" cmpd="sng">
-              <a:solidFill>
-                <a:schemeClr val="tx1"/>
-              </a:solidFill>
-            </a:ln>
-          </p:spPr>
-          <p:style>
-            <a:lnRef idx="1">
-              <a:schemeClr val="accent1"/>
-            </a:lnRef>
-            <a:fillRef idx="3">
-              <a:schemeClr val="accent1"/>
-            </a:fillRef>
-            <a:effectRef idx="2">
-              <a:schemeClr val="accent1"/>
-            </a:effectRef>
-            <a:fontRef idx="minor">
-              <a:schemeClr val="lt1"/>
-            </a:fontRef>
-          </p:style>
-          <p:txBody>
-            <a:bodyPr rtlCol="0" anchor="ctr"/>
-            <a:lstStyle/>
-            <a:p>
-              <a:pPr algn="ctr"/>
-              <a:r>
-                <a:rPr lang="en-US" sz="1200" dirty="0" smtClean="0">
-                  <a:solidFill>
-                    <a:schemeClr val="tx1"/>
-                  </a:solidFill>
-                  <a:latin typeface="Century"/>
-                  <a:cs typeface="Century"/>
-                </a:rPr>
-                <a:t>Compute </a:t>
-              </a:r>
-              <a:br>
-                <a:rPr lang="en-US" sz="1200" dirty="0" smtClean="0">
-                  <a:solidFill>
-                    <a:schemeClr val="tx1"/>
-                  </a:solidFill>
-                  <a:latin typeface="Century"/>
-                  <a:cs typeface="Century"/>
-                </a:rPr>
-              </a:br>
-              <a:r>
-                <a:rPr lang="en-US" sz="1200" dirty="0" smtClean="0">
-                  <a:solidFill>
-                    <a:schemeClr val="tx1"/>
-                  </a:solidFill>
-                  <a:latin typeface="Century"/>
-                  <a:cs typeface="Century"/>
-                </a:rPr>
-                <a:t>node n-1</a:t>
-              </a:r>
-              <a:endParaRPr lang="en-US" sz="1200" dirty="0">
-                <a:solidFill>
-                  <a:schemeClr val="tx1"/>
-                </a:solidFill>
-                <a:latin typeface="Century"/>
-                <a:cs typeface="Century"/>
-              </a:endParaRPr>
-            </a:p>
-          </p:txBody>
-        </p:sp>
-        <p:cxnSp>
-          <p:nvCxnSpPr>
-            <p:cNvPr id="13" name="Straight Connector 12"/>
-            <p:cNvCxnSpPr/>
-            <p:nvPr/>
-          </p:nvCxnSpPr>
-          <p:spPr>
-            <a:xfrm>
-              <a:off x="4064000" y="1676400"/>
-              <a:ext cx="863600" cy="0"/>
-            </a:xfrm>
-            <a:prstGeom prst="line">
-              <a:avLst/>
-            </a:prstGeom>
-            <a:ln>
-              <a:solidFill>
-                <a:srgbClr val="000000"/>
-              </a:solidFill>
-              <a:prstDash val="sysDash"/>
-            </a:ln>
-          </p:spPr>
-          <p:style>
-            <a:lnRef idx="2">
-              <a:schemeClr val="accent1"/>
-            </a:lnRef>
-            <a:fillRef idx="0">
-              <a:schemeClr val="accent1"/>
-            </a:fillRef>
-            <a:effectRef idx="1">
-              <a:schemeClr val="accent1"/>
-            </a:effectRef>
-            <a:fontRef idx="minor">
-              <a:schemeClr val="tx1"/>
-            </a:fontRef>
-          </p:style>
-        </p:cxnSp>
-        <p:cxnSp>
-          <p:nvCxnSpPr>
-            <p:cNvPr id="15" name="Straight Arrow Connector 14"/>
-            <p:cNvCxnSpPr>
-              <a:stCxn id="9" idx="2"/>
-              <a:endCxn id="7" idx="0"/>
-            </p:cNvCxnSpPr>
-            <p:nvPr/>
-          </p:nvCxnSpPr>
-          <p:spPr>
-            <a:xfrm>
-              <a:off x="2482850" y="1905000"/>
-              <a:ext cx="1517650" cy="711199"/>
-            </a:xfrm>
-            <a:prstGeom prst="straightConnector1">
-              <a:avLst/>
-            </a:prstGeom>
-            <a:ln>
-              <a:solidFill>
-                <a:schemeClr val="tx1">
-                  <a:lumMod val="50000"/>
-                  <a:lumOff val="50000"/>
-                </a:schemeClr>
-              </a:solidFill>
-              <a:tailEnd type="arrow"/>
-            </a:ln>
-          </p:spPr>
-          <p:style>
-            <a:lnRef idx="2">
-              <a:schemeClr val="accent1"/>
-            </a:lnRef>
-            <a:fillRef idx="0">
-              <a:schemeClr val="accent1"/>
-            </a:fillRef>
-            <a:effectRef idx="1">
-              <a:schemeClr val="accent1"/>
-            </a:effectRef>
-            <a:fontRef idx="minor">
-              <a:schemeClr val="tx1"/>
-            </a:fontRef>
-          </p:style>
-        </p:cxnSp>
-        <p:cxnSp>
-          <p:nvCxnSpPr>
-            <p:cNvPr id="16" name="Straight Arrow Connector 15"/>
-            <p:cNvCxnSpPr>
-              <a:stCxn id="10" idx="2"/>
-              <a:endCxn id="7" idx="0"/>
-            </p:cNvCxnSpPr>
-            <p:nvPr/>
-          </p:nvCxnSpPr>
-          <p:spPr>
-            <a:xfrm>
-              <a:off x="3511550" y="1905000"/>
-              <a:ext cx="488950" cy="711199"/>
-            </a:xfrm>
-            <a:prstGeom prst="straightConnector1">
-              <a:avLst/>
-            </a:prstGeom>
-            <a:ln>
-              <a:solidFill>
-                <a:srgbClr val="7F7F7F"/>
-              </a:solidFill>
-              <a:tailEnd type="arrow"/>
-            </a:ln>
-          </p:spPr>
-          <p:style>
-            <a:lnRef idx="2">
-              <a:schemeClr val="accent1"/>
-            </a:lnRef>
-            <a:fillRef idx="0">
-              <a:schemeClr val="accent1"/>
-            </a:fillRef>
-            <a:effectRef idx="1">
-              <a:schemeClr val="accent1"/>
-            </a:effectRef>
-            <a:fontRef idx="minor">
-              <a:schemeClr val="tx1"/>
-            </a:fontRef>
-          </p:style>
-        </p:cxnSp>
-        <p:cxnSp>
-          <p:nvCxnSpPr>
-            <p:cNvPr id="19" name="Straight Arrow Connector 18"/>
-            <p:cNvCxnSpPr>
-              <a:stCxn id="11" idx="2"/>
-              <a:endCxn id="7" idx="0"/>
-            </p:cNvCxnSpPr>
-            <p:nvPr/>
-          </p:nvCxnSpPr>
-          <p:spPr>
-            <a:xfrm flipH="1">
-              <a:off x="4000500" y="1905000"/>
-              <a:ext cx="1479550" cy="711199"/>
-            </a:xfrm>
-            <a:prstGeom prst="straightConnector1">
-              <a:avLst/>
-            </a:prstGeom>
-            <a:ln>
-              <a:solidFill>
-                <a:srgbClr val="7F7F7F"/>
-              </a:solidFill>
-              <a:tailEnd type="arrow"/>
-            </a:ln>
-          </p:spPr>
-          <p:style>
-            <a:lnRef idx="2">
-              <a:schemeClr val="accent1"/>
-            </a:lnRef>
-            <a:fillRef idx="0">
-              <a:schemeClr val="accent1"/>
-            </a:fillRef>
-            <a:effectRef idx="1">
-              <a:schemeClr val="accent1"/>
-            </a:effectRef>
-            <a:fontRef idx="minor">
-              <a:schemeClr val="tx1"/>
-            </a:fontRef>
-          </p:style>
-        </p:cxnSp>
-        <p:sp>
-          <p:nvSpPr>
-            <p:cNvPr id="22" name="Up-Down Arrow 21"/>
-            <p:cNvSpPr/>
-            <p:nvPr/>
-          </p:nvSpPr>
-          <p:spPr>
-            <a:xfrm>
-              <a:off x="3486150" y="2986585"/>
-              <a:ext cx="1111250" cy="529231"/>
-            </a:xfrm>
-            <a:prstGeom prst="upDownArrow">
-              <a:avLst>
-                <a:gd name="adj1" fmla="val 50000"/>
-                <a:gd name="adj2" fmla="val 30051"/>
-              </a:avLst>
-            </a:prstGeom>
-            <a:solidFill>
-              <a:schemeClr val="tx1">
-                <a:lumMod val="50000"/>
-                <a:lumOff val="50000"/>
-              </a:schemeClr>
-            </a:solidFill>
-            <a:ln>
-              <a:solidFill>
-                <a:schemeClr val="tx1"/>
-              </a:solidFill>
-            </a:ln>
-          </p:spPr>
-          <p:style>
-            <a:lnRef idx="1">
-              <a:schemeClr val="accent1"/>
-            </a:lnRef>
-            <a:fillRef idx="3">
-              <a:schemeClr val="accent1"/>
-            </a:fillRef>
-            <a:effectRef idx="2">
-              <a:schemeClr val="accent1"/>
-            </a:effectRef>
-            <a:fontRef idx="minor">
-              <a:schemeClr val="lt1"/>
-            </a:fontRef>
-          </p:style>
-          <p:txBody>
-            <a:bodyPr rot="0" spcFirstLastPara="0" vertOverflow="overflow" horzOverflow="overflow" vert="horz" wrap="square" lIns="91440" tIns="45720" rIns="91440" bIns="45720" numCol="1" spcCol="0" rtlCol="0" fromWordArt="0" anchor="ctr" anchorCtr="0" forceAA="0" compatLnSpc="1">
-              <a:prstTxWarp prst="textNoShape">
-                <a:avLst/>
-              </a:prstTxWarp>
-              <a:noAutofit/>
-            </a:bodyPr>
-            <a:lstStyle/>
-            <a:p>
-              <a:pPr algn="ctr"/>
-              <a:endParaRPr lang="en-US" dirty="0" smtClean="0">
-                <a:solidFill>
-                  <a:schemeClr val="tx1"/>
-                </a:solidFill>
-                <a:latin typeface="Century"/>
-                <a:cs typeface="Century"/>
-              </a:endParaRPr>
-            </a:p>
-          </p:txBody>
-        </p:sp>
-        <p:sp>
-          <p:nvSpPr>
-            <p:cNvPr id="23" name="TextBox 22"/>
-            <p:cNvSpPr txBox="1"/>
-            <p:nvPr/>
-          </p:nvSpPr>
-          <p:spPr>
-            <a:xfrm>
-              <a:off x="2197100" y="4356100"/>
-              <a:ext cx="3721100" cy="338554"/>
-            </a:xfrm>
-            <a:prstGeom prst="rect">
-              <a:avLst/>
-            </a:prstGeom>
-            <a:noFill/>
-          </p:spPr>
-          <p:txBody>
-            <a:bodyPr wrap="square" rtlCol="0">
-              <a:spAutoFit/>
-            </a:bodyPr>
-            <a:lstStyle/>
-            <a:p>
-              <a:r>
-                <a:rPr lang="en-US" sz="1600" dirty="0" smtClean="0">
-                  <a:latin typeface="Century"/>
-                  <a:cs typeface="Century"/>
-                </a:rPr>
-                <a:t>The cloud-based burst buffer system</a:t>
-              </a:r>
-              <a:endParaRPr lang="en-US" sz="1600" dirty="0">
-                <a:latin typeface="Century"/>
-                <a:cs typeface="Century"/>
-              </a:endParaRPr>
-            </a:p>
-          </p:txBody>
-        </p:sp>
-      </p:grpSp>
     </p:spTree>
     <p:extLst>
       <p:ext uri="{BB962C8B-B14F-4D97-AF65-F5344CB8AC3E}">

--- a/paper/ref/Presentation1.pptx
+++ b/paper/ref/Presentation1.pptx
@@ -7309,14 +7309,13 @@
             <p:cNvPr id="79" name="Straight Arrow Connector 78"/>
             <p:cNvCxnSpPr>
               <a:stCxn id="75" idx="2"/>
-              <a:endCxn id="71" idx="0"/>
             </p:cNvCxnSpPr>
             <p:nvPr/>
           </p:nvCxnSpPr>
           <p:spPr>
             <a:xfrm>
               <a:off x="2482850" y="1905000"/>
-              <a:ext cx="1517650" cy="711199"/>
+              <a:ext cx="805079" cy="711199"/>
             </a:xfrm>
             <a:prstGeom prst="straightConnector1">
               <a:avLst/>
@@ -7351,14 +7350,13 @@
             <p:cNvPr id="80" name="Straight Arrow Connector 79"/>
             <p:cNvCxnSpPr>
               <a:stCxn id="76" idx="2"/>
-              <a:endCxn id="71" idx="0"/>
             </p:cNvCxnSpPr>
             <p:nvPr/>
           </p:nvCxnSpPr>
           <p:spPr>
             <a:xfrm>
               <a:off x="3511550" y="1905000"/>
-              <a:ext cx="488950" cy="711199"/>
+              <a:ext cx="208179" cy="711199"/>
             </a:xfrm>
             <a:prstGeom prst="straightConnector1">
               <a:avLst/>
@@ -7390,14 +7388,13 @@
             <p:cNvPr id="81" name="Straight Arrow Connector 80"/>
             <p:cNvCxnSpPr>
               <a:stCxn id="77" idx="2"/>
-              <a:endCxn id="71" idx="0"/>
             </p:cNvCxnSpPr>
             <p:nvPr/>
           </p:nvCxnSpPr>
           <p:spPr>
             <a:xfrm flipH="1">
-              <a:off x="4000500" y="1905000"/>
-              <a:ext cx="1479550" cy="711199"/>
+              <a:off x="4927600" y="1905000"/>
+              <a:ext cx="552450" cy="711199"/>
             </a:xfrm>
             <a:prstGeom prst="straightConnector1">
               <a:avLst/>
@@ -10742,7 +10739,7 @@
           <p:spPr>
             <a:xfrm>
               <a:off x="7542206" y="3436589"/>
-              <a:ext cx="1114412" cy="369332"/>
+              <a:ext cx="1114412" cy="230832"/>
             </a:xfrm>
             <a:prstGeom prst="rect">
               <a:avLst/>
@@ -10760,20 +10757,14 @@
                   <a:latin typeface="Century"/>
                   <a:cs typeface="Century"/>
                 </a:rPr>
-                <a:t>open, close</a:t>
+                <a:t>open, </a:t>
               </a:r>
-              <a:br>
-                <a:rPr lang="en-US" sz="900" dirty="0" smtClean="0">
-                  <a:latin typeface="Century"/>
-                  <a:cs typeface="Century"/>
-                </a:rPr>
-              </a:br>
               <a:r>
                 <a:rPr lang="en-US" sz="900" dirty="0" smtClean="0">
                   <a:latin typeface="Century"/>
                   <a:cs typeface="Century"/>
                 </a:rPr>
-                <a:t>resize file</a:t>
+                <a:t>close</a:t>
               </a:r>
               <a:endParaRPr lang="en-US" sz="900" dirty="0">
                 <a:solidFill>
@@ -10860,7 +10851,7 @@
           <p:spPr>
             <a:xfrm>
               <a:off x="6205336" y="4195210"/>
-              <a:ext cx="987412" cy="369332"/>
+              <a:ext cx="987412" cy="230832"/>
             </a:xfrm>
             <a:prstGeom prst="rect">
               <a:avLst/>
@@ -10873,26 +10864,6 @@
             <a:lstStyle/>
             <a:p>
               <a:pPr algn="ctr"/>
-              <a:r>
-                <a:rPr lang="en-US" sz="900" dirty="0" smtClean="0">
-                  <a:latin typeface="Century"/>
-                  <a:cs typeface="Century"/>
-                </a:rPr>
-                <a:t>I/O</a:t>
-              </a:r>
-              <a:br>
-                <a:rPr lang="en-US" sz="900" dirty="0" smtClean="0">
-                  <a:latin typeface="Century"/>
-                  <a:cs typeface="Century"/>
-                </a:rPr>
-              </a:br>
-              <a:r>
-                <a:rPr lang="en-US" sz="900" dirty="0" smtClean="0">
-                  <a:latin typeface="Century"/>
-                  <a:cs typeface="Century"/>
-                </a:rPr>
-                <a:t>start/finish</a:t>
-              </a:r>
               <a:endParaRPr lang="en-US" sz="900" dirty="0">
                 <a:solidFill>
                   <a:schemeClr val="tx1"/>
@@ -10904,6 +10875,58 @@
           </p:txBody>
         </p:sp>
       </p:grpSp>
+      <p:sp>
+        <p:nvSpPr>
+          <p:cNvPr id="74" name="Rectangle 73"/>
+          <p:cNvSpPr/>
+          <p:nvPr/>
+        </p:nvSpPr>
+        <p:spPr>
+          <a:xfrm>
+            <a:off x="6124895" y="4235169"/>
+            <a:ext cx="1225853" cy="369332"/>
+          </a:xfrm>
+          <a:prstGeom prst="rect">
+            <a:avLst/>
+          </a:prstGeom>
+        </p:spPr>
+        <p:txBody>
+          <a:bodyPr wrap="square">
+            <a:spAutoFit/>
+          </a:bodyPr>
+          <a:lstStyle/>
+          <a:p>
+            <a:pPr algn="ctr"/>
+            <a:r>
+              <a:rPr lang="en-US" sz="900" dirty="0" smtClean="0">
+                <a:latin typeface="Century"/>
+                <a:cs typeface="Century"/>
+              </a:rPr>
+              <a:t>workload</a:t>
+            </a:r>
+          </a:p>
+          <a:p>
+            <a:pPr algn="ctr"/>
+            <a:r>
+              <a:rPr lang="en-US" sz="900" dirty="0" smtClean="0">
+                <a:solidFill>
+                  <a:schemeClr val="tx1"/>
+                </a:solidFill>
+                <a:latin typeface="Century"/>
+                <a:cs typeface="Century"/>
+              </a:rPr>
+              <a:t>information</a:t>
+            </a:r>
+            <a:endParaRPr lang="en-US" sz="900" dirty="0">
+              <a:solidFill>
+                <a:schemeClr val="tx1"/>
+              </a:solidFill>
+              <a:latin typeface="Century"/>
+              <a:cs typeface="Century"/>
+            </a:endParaRPr>
+          </a:p>
+        </p:txBody>
+      </p:sp>
     </p:spTree>
     <p:extLst>
       <p:ext uri="{BB962C8B-B14F-4D97-AF65-F5344CB8AC3E}">
